--- a/language-learning.pptx
+++ b/language-learning.pptx
@@ -8,7 +8,7 @@
     <p:notesMasterId r:id="rId3"/>
   </p:notesMasterIdLst>
   <p:sldIdLst>
-    <p:sldId id="256" r:id="rId2"/>
+    <p:sldId id="257" r:id="rId2"/>
   </p:sldIdLst>
   <p:sldSz cx="9144000" cy="6858000" type="screen4x3"/>
   <p:notesSz cx="6858000" cy="9144000"/>
@@ -107,6 +107,11 @@
       </a:defRPr>
     </a:lvl9pPr>
   </p:defaultTextStyle>
+  <p:extLst>
+    <p:ext uri="{EFAFB233-063F-42B5-8137-9DF3F51BA10A}">
+      <p15:sldGuideLst xmlns:p15="http://schemas.microsoft.com/office/powerpoint/2012/main"/>
+    </p:ext>
+  </p:extLst>
 </p:presentation>
 </file>
 
@@ -196,7 +201,7 @@
           <a:p>
             <a:fld id="{AFF78F27-6490-4418-89D2-E3767B02214A}" type="datetimeFigureOut">
               <a:rPr lang="en-US" smtClean="0"/>
-              <a:t>11/22/2017</a:t>
+              <a:t>11/24/2017</a:t>
             </a:fld>
             <a:endParaRPr lang="en-US"/>
           </a:p>
@@ -464,187 +469,6 @@
 </p:notesMaster>
 </file>
 
-<file path=ppt/notesSlides/notesSlide1.xml><?xml version="1.0" encoding="utf-8"?>
-<p:notes xmlns:a="http://schemas.openxmlformats.org/drawingml/2006/main" xmlns:r="http://schemas.openxmlformats.org/officeDocument/2006/relationships" xmlns:p="http://schemas.openxmlformats.org/presentationml/2006/main">
-  <p:cSld>
-    <p:spTree>
-      <p:nvGrpSpPr>
-        <p:cNvPr id="1" name=""/>
-        <p:cNvGrpSpPr/>
-        <p:nvPr/>
-      </p:nvGrpSpPr>
-      <p:grpSpPr>
-        <a:xfrm>
-          <a:off x="0" y="0"/>
-          <a:ext cx="0" cy="0"/>
-          <a:chOff x="0" y="0"/>
-          <a:chExt cx="0" cy="0"/>
-        </a:xfrm>
-      </p:grpSpPr>
-      <p:sp>
-        <p:nvSpPr>
-          <p:cNvPr id="2" name="Diakép helye 1"/>
-          <p:cNvSpPr>
-            <a:spLocks noGrp="1" noRot="1" noChangeAspect="1"/>
-          </p:cNvSpPr>
-          <p:nvPr>
-            <p:ph type="sldImg"/>
-          </p:nvPr>
-        </p:nvSpPr>
-        <p:spPr/>
-      </p:sp>
-      <p:sp>
-        <p:nvSpPr>
-          <p:cNvPr id="3" name="Jegyzetek helye 2"/>
-          <p:cNvSpPr>
-            <a:spLocks noGrp="1"/>
-          </p:cNvSpPr>
-          <p:nvPr>
-            <p:ph type="body" idx="1"/>
-          </p:nvPr>
-        </p:nvSpPr>
-        <p:spPr/>
-        <p:txBody>
-          <a:bodyPr/>
-          <a:lstStyle/>
-          <a:p>
-            <a:r>
-              <a:rPr lang="hu-HU" dirty="0" err="1"/>
-              <a:t>Charafot</a:t>
-            </a:r>
-            <a:r>
-              <a:rPr lang="hu-HU" dirty="0"/>
-              <a:t> kell meggyőzni, ő tanulni akar. 10 perces előadás. Mindkét fél beszél.</a:t>
-            </a:r>
-          </a:p>
-          <a:p>
-            <a:endParaRPr lang="hu-HU" dirty="0"/>
-          </a:p>
-          <a:p>
-            <a:r>
-              <a:rPr lang="hu-HU" dirty="0"/>
-              <a:t>Kérdések: mi mit tanultunk: </a:t>
-            </a:r>
-            <a:r>
-              <a:rPr lang="hu-HU" dirty="0" err="1"/>
-              <a:t>Maven</a:t>
-            </a:r>
-            <a:r>
-              <a:rPr lang="hu-HU" dirty="0"/>
-              <a:t> </a:t>
-            </a:r>
-            <a:r>
-              <a:rPr lang="hu-HU" dirty="0" err="1"/>
-              <a:t>pom</a:t>
-            </a:r>
-            <a:r>
-              <a:rPr lang="hu-HU" dirty="0"/>
-              <a:t> </a:t>
-            </a:r>
-            <a:r>
-              <a:rPr lang="hu-HU" dirty="0" err="1"/>
-              <a:t>xml-ben</a:t>
-            </a:r>
-            <a:r>
-              <a:rPr lang="hu-HU" dirty="0"/>
-              <a:t> </a:t>
-            </a:r>
-            <a:r>
-              <a:rPr lang="hu-HU" dirty="0" err="1"/>
-              <a:t>jackson</a:t>
-            </a:r>
-            <a:r>
-              <a:rPr lang="hu-HU" dirty="0"/>
-              <a:t> </a:t>
-            </a:r>
-            <a:r>
-              <a:rPr lang="hu-HU" dirty="0" err="1"/>
-              <a:t>sorosító</a:t>
-            </a:r>
-            <a:r>
-              <a:rPr lang="hu-HU" dirty="0"/>
-              <a:t>. REST kérésben egy objektum a bodyban, POST-</a:t>
-            </a:r>
-            <a:r>
-              <a:rPr lang="hu-HU" dirty="0" err="1"/>
-              <a:t>nál</a:t>
-            </a:r>
-            <a:r>
-              <a:rPr lang="hu-HU" dirty="0"/>
-              <a:t> nincs </a:t>
-            </a:r>
-            <a:r>
-              <a:rPr lang="hu-HU" dirty="0" err="1"/>
-              <a:t>return</a:t>
-            </a:r>
-            <a:r>
-              <a:rPr lang="hu-HU" dirty="0"/>
-              <a:t> érték, Image mint byte tömb kezelése, </a:t>
-            </a:r>
-            <a:r>
-              <a:rPr lang="hu-HU" dirty="0" err="1"/>
-              <a:t>JavaFX</a:t>
-            </a:r>
-            <a:r>
-              <a:rPr lang="hu-HU" dirty="0"/>
-              <a:t> </a:t>
-            </a:r>
-            <a:r>
-              <a:rPr lang="hu-HU" dirty="0" err="1"/>
-              <a:t>layout</a:t>
-            </a:r>
-            <a:r>
-              <a:rPr lang="hu-HU" dirty="0"/>
-              <a:t> kezelése, Adatbázis felhúzása a nulláról.</a:t>
-            </a:r>
-          </a:p>
-          <a:p>
-            <a:endParaRPr lang="hu-HU" dirty="0"/>
-          </a:p>
-          <a:p>
-            <a:r>
-              <a:rPr lang="hu-HU" dirty="0"/>
-              <a:t>Mennyit dolgoztunk. Milyen volt a munkamegosztás. Mivel szívtunk a legtöbbet.</a:t>
-            </a:r>
-          </a:p>
-        </p:txBody>
-      </p:sp>
-      <p:sp>
-        <p:nvSpPr>
-          <p:cNvPr id="4" name="Dia számának helye 3"/>
-          <p:cNvSpPr>
-            <a:spLocks noGrp="1"/>
-          </p:cNvSpPr>
-          <p:nvPr>
-            <p:ph type="sldNum" sz="quarter" idx="10"/>
-          </p:nvPr>
-        </p:nvSpPr>
-        <p:spPr/>
-        <p:txBody>
-          <a:bodyPr/>
-          <a:lstStyle/>
-          <a:p>
-            <a:fld id="{1D516FE4-7614-40D7-AE9F-98690E879A96}" type="slidenum">
-              <a:rPr lang="en-US" smtClean="0"/>
-              <a:t>1</a:t>
-            </a:fld>
-            <a:endParaRPr lang="en-US"/>
-          </a:p>
-        </p:txBody>
-      </p:sp>
-    </p:spTree>
-    <p:extLst>
-      <p:ext uri="{BB962C8B-B14F-4D97-AF65-F5344CB8AC3E}">
-        <p14:creationId xmlns:p14="http://schemas.microsoft.com/office/powerpoint/2010/main" val="3774690418"/>
-      </p:ext>
-    </p:extLst>
-  </p:cSld>
-  <p:clrMapOvr>
-    <a:masterClrMapping/>
-  </p:clrMapOvr>
-</p:notes>
-</file>
-
 <file path=ppt/slideLayouts/slideLayout1.xml><?xml version="1.0" encoding="utf-8"?>
 <p:sldLayout xmlns:a="http://schemas.openxmlformats.org/drawingml/2006/main" xmlns:r="http://schemas.openxmlformats.org/officeDocument/2006/relationships" xmlns:p="http://schemas.openxmlformats.org/presentationml/2006/main" type="title" preserve="1">
   <p:cSld name="Címdia">
@@ -776,7 +600,7 @@
           <a:p>
             <a:fld id="{8251826D-E0D9-42A9-918D-600EC59840EB}" type="datetimeFigureOut">
               <a:rPr lang="en-US" smtClean="0"/>
-              <a:t>11/22/2017</a:t>
+              <a:t>11/24/2017</a:t>
             </a:fld>
             <a:endParaRPr lang="en-US"/>
           </a:p>
@@ -946,7 +770,7 @@
           <a:p>
             <a:fld id="{8251826D-E0D9-42A9-918D-600EC59840EB}" type="datetimeFigureOut">
               <a:rPr lang="en-US" smtClean="0"/>
-              <a:t>11/22/2017</a:t>
+              <a:t>11/24/2017</a:t>
             </a:fld>
             <a:endParaRPr lang="en-US"/>
           </a:p>
@@ -1126,7 +950,7 @@
           <a:p>
             <a:fld id="{8251826D-E0D9-42A9-918D-600EC59840EB}" type="datetimeFigureOut">
               <a:rPr lang="en-US" smtClean="0"/>
-              <a:t>11/22/2017</a:t>
+              <a:t>11/24/2017</a:t>
             </a:fld>
             <a:endParaRPr lang="en-US"/>
           </a:p>
@@ -1296,7 +1120,7 @@
           <a:p>
             <a:fld id="{8251826D-E0D9-42A9-918D-600EC59840EB}" type="datetimeFigureOut">
               <a:rPr lang="en-US" smtClean="0"/>
-              <a:t>11/22/2017</a:t>
+              <a:t>11/24/2017</a:t>
             </a:fld>
             <a:endParaRPr lang="en-US"/>
           </a:p>
@@ -1540,7 +1364,7 @@
           <a:p>
             <a:fld id="{8251826D-E0D9-42A9-918D-600EC59840EB}" type="datetimeFigureOut">
               <a:rPr lang="en-US" smtClean="0"/>
-              <a:t>11/22/2017</a:t>
+              <a:t>11/24/2017</a:t>
             </a:fld>
             <a:endParaRPr lang="en-US"/>
           </a:p>
@@ -1772,7 +1596,7 @@
           <a:p>
             <a:fld id="{8251826D-E0D9-42A9-918D-600EC59840EB}" type="datetimeFigureOut">
               <a:rPr lang="en-US" smtClean="0"/>
-              <a:t>11/22/2017</a:t>
+              <a:t>11/24/2017</a:t>
             </a:fld>
             <a:endParaRPr lang="en-US"/>
           </a:p>
@@ -2139,7 +1963,7 @@
           <a:p>
             <a:fld id="{8251826D-E0D9-42A9-918D-600EC59840EB}" type="datetimeFigureOut">
               <a:rPr lang="en-US" smtClean="0"/>
-              <a:t>11/22/2017</a:t>
+              <a:t>11/24/2017</a:t>
             </a:fld>
             <a:endParaRPr lang="en-US"/>
           </a:p>
@@ -2257,7 +2081,7 @@
           <a:p>
             <a:fld id="{8251826D-E0D9-42A9-918D-600EC59840EB}" type="datetimeFigureOut">
               <a:rPr lang="en-US" smtClean="0"/>
-              <a:t>11/22/2017</a:t>
+              <a:t>11/24/2017</a:t>
             </a:fld>
             <a:endParaRPr lang="en-US"/>
           </a:p>
@@ -2352,7 +2176,7 @@
           <a:p>
             <a:fld id="{8251826D-E0D9-42A9-918D-600EC59840EB}" type="datetimeFigureOut">
               <a:rPr lang="en-US" smtClean="0"/>
-              <a:t>11/22/2017</a:t>
+              <a:t>11/24/2017</a:t>
             </a:fld>
             <a:endParaRPr lang="en-US"/>
           </a:p>
@@ -2629,7 +2453,7 @@
           <a:p>
             <a:fld id="{8251826D-E0D9-42A9-918D-600EC59840EB}" type="datetimeFigureOut">
               <a:rPr lang="en-US" smtClean="0"/>
-              <a:t>11/22/2017</a:t>
+              <a:t>11/24/2017</a:t>
             </a:fld>
             <a:endParaRPr lang="en-US"/>
           </a:p>
@@ -2886,7 +2710,7 @@
           <a:p>
             <a:fld id="{8251826D-E0D9-42A9-918D-600EC59840EB}" type="datetimeFigureOut">
               <a:rPr lang="en-US" smtClean="0"/>
-              <a:t>11/22/2017</a:t>
+              <a:t>11/24/2017</a:t>
             </a:fld>
             <a:endParaRPr lang="en-US"/>
           </a:p>
@@ -3099,7 +2923,7 @@
           <a:p>
             <a:fld id="{8251826D-E0D9-42A9-918D-600EC59840EB}" type="datetimeFigureOut">
               <a:rPr lang="en-US" smtClean="0"/>
-              <a:t>11/22/2017</a:t>
+              <a:t>11/24/2017</a:t>
             </a:fld>
             <a:endParaRPr lang="en-US"/>
           </a:p>
@@ -3490,14 +3314,6 @@
 <file path=ppt/slides/slide1.xml><?xml version="1.0" encoding="utf-8"?>
 <p:sld xmlns:a="http://schemas.openxmlformats.org/drawingml/2006/main" xmlns:r="http://schemas.openxmlformats.org/officeDocument/2006/relationships" xmlns:p="http://schemas.openxmlformats.org/presentationml/2006/main">
   <p:cSld>
-    <p:bg>
-      <p:bgPr>
-        <a:solidFill>
-          <a:schemeClr val="bg1"/>
-        </a:solidFill>
-        <a:effectLst/>
-      </p:bgPr>
-    </p:bg>
     <p:spTree>
       <p:nvGrpSpPr>
         <p:cNvPr id="1" name=""/>
@@ -3512,36 +3328,298 @@
           <a:chExt cx="0" cy="0"/>
         </a:xfrm>
       </p:grpSpPr>
-      <p:sp useBgFill="1">
-        <p:nvSpPr>
-          <p:cNvPr id="25" name="Rectangle 7">
+      <p:sp>
+        <p:nvSpPr>
+          <p:cNvPr id="4" name="Téglalap 3">
             <a:extLst>
               <a:ext uri="{FF2B5EF4-FFF2-40B4-BE49-F238E27FC236}">
-                <a16:creationId xmlns:a16="http://schemas.microsoft.com/office/drawing/2014/main" id="{559AE206-7EBA-4D33-8BC9-9D8158553F0E}"/>
+                <a16:creationId xmlns:a16="http://schemas.microsoft.com/office/drawing/2014/main" id="{94286193-F46E-4A7F-96C7-4DF794B8C682}"/>
               </a:ext>
             </a:extLst>
           </p:cNvPr>
-          <p:cNvSpPr>
-            <a:spLocks noGrp="1" noRot="1" noChangeAspect="1" noMove="1" noResize="1" noEditPoints="1" noAdjustHandles="1" noChangeArrowheads="1" noChangeShapeType="1" noTextEdit="1"/>
-          </p:cNvSpPr>
-          <p:nvPr>
-            <p:extLst>
-              <p:ext uri="{386F3935-93C4-4BCD-93E2-E3B085C9AB24}">
-                <p16:designElem xmlns:p16="http://schemas.microsoft.com/office/powerpoint/2015/main" val="1"/>
-              </p:ext>
-            </p:extLst>
-          </p:nvPr>
+          <p:cNvSpPr/>
+          <p:nvPr/>
         </p:nvSpPr>
         <p:spPr>
           <a:xfrm>
-            <a:off x="0" y="0"/>
-            <a:ext cx="9144000" cy="6858000"/>
+            <a:off x="2461847" y="1693986"/>
+            <a:ext cx="2239108" cy="867507"/>
           </a:xfrm>
           <a:prstGeom prst="rect">
             <a:avLst/>
           </a:prstGeom>
-          <a:ln>
-            <a:noFill/>
+        </p:spPr>
+        <p:style>
+          <a:lnRef idx="2">
+            <a:schemeClr val="accent1">
+              <a:shade val="50000"/>
+            </a:schemeClr>
+          </a:lnRef>
+          <a:fillRef idx="1">
+            <a:schemeClr val="accent1"/>
+          </a:fillRef>
+          <a:effectRef idx="0">
+            <a:schemeClr val="accent1"/>
+          </a:effectRef>
+          <a:fontRef idx="minor">
+            <a:schemeClr val="lt1"/>
+          </a:fontRef>
+        </p:style>
+        <p:txBody>
+          <a:bodyPr rtlCol="0" anchor="ctr"/>
+          <a:lstStyle/>
+          <a:p>
+            <a:pPr algn="ctr"/>
+            <a:r>
+              <a:rPr lang="hu-HU" sz="2400" dirty="0" err="1"/>
+              <a:t>Presentation</a:t>
+            </a:r>
+            <a:endParaRPr lang="en-US" sz="2400" dirty="0"/>
+          </a:p>
+        </p:txBody>
+      </p:sp>
+      <p:sp>
+        <p:nvSpPr>
+          <p:cNvPr id="5" name="Téglalap 4">
+            <a:extLst>
+              <a:ext uri="{FF2B5EF4-FFF2-40B4-BE49-F238E27FC236}">
+                <a16:creationId xmlns:a16="http://schemas.microsoft.com/office/drawing/2014/main" id="{F137C58F-638D-4BE0-8981-7CC9A152D691}"/>
+              </a:ext>
+            </a:extLst>
+          </p:cNvPr>
+          <p:cNvSpPr/>
+          <p:nvPr/>
+        </p:nvSpPr>
+        <p:spPr>
+          <a:xfrm>
+            <a:off x="2461845" y="3071446"/>
+            <a:ext cx="2239108" cy="867507"/>
+          </a:xfrm>
+          <a:prstGeom prst="rect">
+            <a:avLst/>
+          </a:prstGeom>
+        </p:spPr>
+        <p:style>
+          <a:lnRef idx="2">
+            <a:schemeClr val="accent1">
+              <a:shade val="50000"/>
+            </a:schemeClr>
+          </a:lnRef>
+          <a:fillRef idx="1">
+            <a:schemeClr val="accent1"/>
+          </a:fillRef>
+          <a:effectRef idx="0">
+            <a:schemeClr val="accent1"/>
+          </a:effectRef>
+          <a:fontRef idx="minor">
+            <a:schemeClr val="lt1"/>
+          </a:fontRef>
+        </p:style>
+        <p:txBody>
+          <a:bodyPr rot="0" spcFirstLastPara="0" vertOverflow="overflow" horzOverflow="overflow" vert="horz" wrap="square" lIns="91440" tIns="45720" rIns="91440" bIns="45720" numCol="1" spcCol="0" rtlCol="0" fromWordArt="0" anchor="ctr" anchorCtr="0" forceAA="0" compatLnSpc="1">
+            <a:prstTxWarp prst="textNoShape">
+              <a:avLst/>
+            </a:prstTxWarp>
+            <a:noAutofit/>
+          </a:bodyPr>
+          <a:lstStyle/>
+          <a:p>
+            <a:pPr algn="ctr"/>
+            <a:r>
+              <a:rPr lang="hu-HU" sz="2400" dirty="0"/>
+              <a:t>Business </a:t>
+            </a:r>
+            <a:r>
+              <a:rPr lang="hu-HU" sz="2400" dirty="0" err="1"/>
+              <a:t>Logic</a:t>
+            </a:r>
+            <a:endParaRPr lang="en-US" sz="2400" dirty="0"/>
+          </a:p>
+        </p:txBody>
+      </p:sp>
+      <p:sp>
+        <p:nvSpPr>
+          <p:cNvPr id="6" name="Téglalap 5">
+            <a:extLst>
+              <a:ext uri="{FF2B5EF4-FFF2-40B4-BE49-F238E27FC236}">
+                <a16:creationId xmlns:a16="http://schemas.microsoft.com/office/drawing/2014/main" id="{06D8E0E9-F79A-44DF-9696-D4A30DC692B1}"/>
+              </a:ext>
+            </a:extLst>
+          </p:cNvPr>
+          <p:cNvSpPr/>
+          <p:nvPr/>
+        </p:nvSpPr>
+        <p:spPr>
+          <a:xfrm>
+            <a:off x="2461846" y="4448907"/>
+            <a:ext cx="2239109" cy="867507"/>
+          </a:xfrm>
+          <a:prstGeom prst="rect">
+            <a:avLst/>
+          </a:prstGeom>
+        </p:spPr>
+        <p:style>
+          <a:lnRef idx="2">
+            <a:schemeClr val="accent1">
+              <a:shade val="50000"/>
+            </a:schemeClr>
+          </a:lnRef>
+          <a:fillRef idx="1">
+            <a:schemeClr val="accent1"/>
+          </a:fillRef>
+          <a:effectRef idx="0">
+            <a:schemeClr val="accent1"/>
+          </a:effectRef>
+          <a:fontRef idx="minor">
+            <a:schemeClr val="lt1"/>
+          </a:fontRef>
+        </p:style>
+        <p:txBody>
+          <a:bodyPr rot="0" spcFirstLastPara="0" vertOverflow="overflow" horzOverflow="overflow" vert="horz" wrap="square" lIns="91440" tIns="45720" rIns="91440" bIns="45720" numCol="1" spcCol="0" rtlCol="0" fromWordArt="0" anchor="ctr" anchorCtr="0" forceAA="0" compatLnSpc="1">
+            <a:prstTxWarp prst="textNoShape">
+              <a:avLst/>
+            </a:prstTxWarp>
+            <a:noAutofit/>
+          </a:bodyPr>
+          <a:lstStyle/>
+          <a:p>
+            <a:pPr algn="ctr"/>
+            <a:r>
+              <a:rPr lang="hu-HU" sz="2400" dirty="0"/>
+              <a:t>Service Access</a:t>
+            </a:r>
+            <a:endParaRPr lang="en-US" sz="2400" dirty="0"/>
+          </a:p>
+        </p:txBody>
+      </p:sp>
+      <p:sp>
+        <p:nvSpPr>
+          <p:cNvPr id="7" name="Téglalap 6">
+            <a:extLst>
+              <a:ext uri="{FF2B5EF4-FFF2-40B4-BE49-F238E27FC236}">
+                <a16:creationId xmlns:a16="http://schemas.microsoft.com/office/drawing/2014/main" id="{A7CEDF51-C5F2-4458-9B99-C0C11FD7147A}"/>
+              </a:ext>
+            </a:extLst>
+          </p:cNvPr>
+          <p:cNvSpPr/>
+          <p:nvPr/>
+        </p:nvSpPr>
+        <p:spPr>
+          <a:xfrm>
+            <a:off x="2004646" y="1453661"/>
+            <a:ext cx="3153507" cy="4443047"/>
+          </a:xfrm>
+          <a:prstGeom prst="rect">
+            <a:avLst/>
+          </a:prstGeom>
+          <a:noFill/>
+          <a:ln w="38100"/>
+        </p:spPr>
+        <p:style>
+          <a:lnRef idx="2">
+            <a:schemeClr val="accent1">
+              <a:shade val="50000"/>
+            </a:schemeClr>
+          </a:lnRef>
+          <a:fillRef idx="1">
+            <a:schemeClr val="accent1"/>
+          </a:fillRef>
+          <a:effectRef idx="0">
+            <a:schemeClr val="accent1"/>
+          </a:effectRef>
+          <a:fontRef idx="minor">
+            <a:schemeClr val="lt1"/>
+          </a:fontRef>
+        </p:style>
+        <p:txBody>
+          <a:bodyPr rtlCol="0" anchor="ctr"/>
+          <a:lstStyle/>
+          <a:p>
+            <a:pPr algn="ctr"/>
+            <a:endParaRPr lang="en-US"/>
+          </a:p>
+        </p:txBody>
+      </p:sp>
+      <p:sp>
+        <p:nvSpPr>
+          <p:cNvPr id="8" name="Téglalap 7">
+            <a:extLst>
+              <a:ext uri="{FF2B5EF4-FFF2-40B4-BE49-F238E27FC236}">
+                <a16:creationId xmlns:a16="http://schemas.microsoft.com/office/drawing/2014/main" id="{66FFAFE6-C9A3-4A7A-8A17-54CBAC12E086}"/>
+              </a:ext>
+            </a:extLst>
+          </p:cNvPr>
+          <p:cNvSpPr/>
+          <p:nvPr/>
+        </p:nvSpPr>
+        <p:spPr>
+          <a:xfrm>
+            <a:off x="2831122" y="5591910"/>
+            <a:ext cx="1500554" cy="609599"/>
+          </a:xfrm>
+          <a:prstGeom prst="rect">
+            <a:avLst/>
+          </a:prstGeom>
+        </p:spPr>
+        <p:style>
+          <a:lnRef idx="2">
+            <a:schemeClr val="accent1">
+              <a:shade val="50000"/>
+            </a:schemeClr>
+          </a:lnRef>
+          <a:fillRef idx="1">
+            <a:schemeClr val="accent1"/>
+          </a:fillRef>
+          <a:effectRef idx="0">
+            <a:schemeClr val="accent1"/>
+          </a:effectRef>
+          <a:fontRef idx="minor">
+            <a:schemeClr val="lt1"/>
+          </a:fontRef>
+        </p:style>
+        <p:txBody>
+          <a:bodyPr rot="0" spcFirstLastPara="0" vertOverflow="overflow" horzOverflow="overflow" vert="horz" wrap="square" lIns="91440" tIns="45720" rIns="91440" bIns="45720" numCol="1" spcCol="0" rtlCol="0" fromWordArt="0" anchor="ctr" anchorCtr="0" forceAA="0" compatLnSpc="1">
+            <a:prstTxWarp prst="textNoShape">
+              <a:avLst/>
+            </a:prstTxWarp>
+            <a:noAutofit/>
+          </a:bodyPr>
+          <a:lstStyle/>
+          <a:p>
+            <a:pPr algn="ctr"/>
+            <a:r>
+              <a:rPr lang="hu-HU" sz="2400" dirty="0"/>
+              <a:t>REST API</a:t>
+            </a:r>
+            <a:endParaRPr lang="en-US" sz="2400" dirty="0"/>
+          </a:p>
+        </p:txBody>
+      </p:sp>
+      <p:cxnSp>
+        <p:nvCxnSpPr>
+          <p:cNvPr id="10" name="Egyenes összekötő nyíllal 9">
+            <a:extLst>
+              <a:ext uri="{FF2B5EF4-FFF2-40B4-BE49-F238E27FC236}">
+                <a16:creationId xmlns:a16="http://schemas.microsoft.com/office/drawing/2014/main" id="{0AF6017B-2F59-453D-B694-D980938211B9}"/>
+              </a:ext>
+            </a:extLst>
+          </p:cNvPr>
+          <p:cNvCxnSpPr>
+            <a:cxnSpLocks/>
+          </p:cNvCxnSpPr>
+          <p:nvPr/>
+        </p:nvCxnSpPr>
+        <p:spPr>
+          <a:xfrm>
+            <a:off x="3171092" y="1230923"/>
+            <a:ext cx="0" cy="463063"/>
+          </a:xfrm>
+          <a:prstGeom prst="straightConnector1">
+            <a:avLst/>
+          </a:prstGeom>
+          <a:noFill/>
+          <a:ln w="38100">
+            <a:tailEnd type="triangle"/>
           </a:ln>
         </p:spPr>
         <p:style>
@@ -3560,126 +3638,32 @@
             <a:schemeClr val="lt1"/>
           </a:fontRef>
         </p:style>
-        <p:txBody>
-          <a:bodyPr rtlCol="0" anchor="ctr"/>
-          <a:lstStyle/>
-          <a:p>
-            <a:pPr marL="0" marR="0" lvl="0" indent="0" algn="ctr" defTabSz="914400" rtl="0" eaLnBrk="1" fontAlgn="auto" latinLnBrk="0" hangingPunct="1">
-              <a:lnSpc>
-                <a:spcPct val="100000"/>
-              </a:lnSpc>
-              <a:spcBef>
-                <a:spcPts val="0"/>
-              </a:spcBef>
-              <a:spcAft>
-                <a:spcPts val="0"/>
-              </a:spcAft>
-              <a:buClrTx/>
-              <a:buSzTx/>
-              <a:buFontTx/>
-              <a:buNone/>
-              <a:tabLst/>
-              <a:defRPr/>
-            </a:pPr>
-            <a:endParaRPr kumimoji="0" lang="en-US" sz="1800" b="0" i="0" u="none" strike="noStrike" kern="1200" cap="none" spc="0" normalizeH="0" baseline="0" noProof="0">
-              <a:ln>
-                <a:noFill/>
-              </a:ln>
-              <a:solidFill>
-                <a:prstClr val="white"/>
-              </a:solidFill>
-              <a:effectLst/>
-              <a:uLnTx/>
-              <a:uFillTx/>
-              <a:latin typeface="Calibri" panose="020F0502020204030204"/>
-              <a:ea typeface="+mn-ea"/>
-              <a:cs typeface="+mn-cs"/>
-            </a:endParaRPr>
-          </a:p>
-        </p:txBody>
-      </p:sp>
+      </p:cxnSp>
       <p:cxnSp>
         <p:nvCxnSpPr>
-          <p:cNvPr id="10" name="Straight Connector 9">
+          <p:cNvPr id="14" name="Egyenes összekötő nyíllal 13">
             <a:extLst>
               <a:ext uri="{FF2B5EF4-FFF2-40B4-BE49-F238E27FC236}">
-                <a16:creationId xmlns:a16="http://schemas.microsoft.com/office/drawing/2014/main" id="{9E8E38ED-369A-44C2-B635-0BED0E48A6E8}"/>
+                <a16:creationId xmlns:a16="http://schemas.microsoft.com/office/drawing/2014/main" id="{6B49D91D-DB16-480F-9B3E-9AE5B3780B69}"/>
               </a:ext>
             </a:extLst>
           </p:cNvPr>
           <p:cNvCxnSpPr>
-            <a:cxnSpLocks noGrp="1" noRot="1" noChangeAspect="1" noMove="1" noResize="1" noEditPoints="1" noAdjustHandles="1" noChangeArrowheads="1" noChangeShapeType="1"/>
+            <a:cxnSpLocks/>
           </p:cNvCxnSpPr>
-          <p:nvPr>
-            <p:extLst>
-              <p:ext uri="{386F3935-93C4-4BCD-93E2-E3B085C9AB24}">
-                <p16:designElem xmlns:p16="http://schemas.microsoft.com/office/powerpoint/2015/main" val="1"/>
-              </p:ext>
-            </p:extLst>
-          </p:nvPr>
+          <p:nvPr/>
         </p:nvCxnSpPr>
         <p:spPr>
           <a:xfrm>
-            <a:off x="5850294" y="4525347"/>
-            <a:ext cx="0" cy="1737360"/>
+            <a:off x="3182815" y="2561492"/>
+            <a:ext cx="0" cy="509954"/>
           </a:xfrm>
-          <a:prstGeom prst="line">
+          <a:prstGeom prst="straightConnector1">
             <a:avLst/>
           </a:prstGeom>
-          <a:ln w="19050" cap="sq">
-            <a:solidFill>
-              <a:schemeClr val="tx1"/>
-            </a:solidFill>
-          </a:ln>
-        </p:spPr>
-        <p:style>
-          <a:lnRef idx="1">
-            <a:schemeClr val="accent1"/>
-          </a:lnRef>
-          <a:fillRef idx="0">
-            <a:schemeClr val="accent1"/>
-          </a:fillRef>
-          <a:effectRef idx="0">
-            <a:schemeClr val="accent1"/>
-          </a:effectRef>
-          <a:fontRef idx="minor">
-            <a:schemeClr val="tx1"/>
-          </a:fontRef>
-        </p:style>
-      </p:cxnSp>
-      <p:sp>
-        <p:nvSpPr>
-          <p:cNvPr id="12" name="Oval 11">
-            <a:extLst>
-              <a:ext uri="{FF2B5EF4-FFF2-40B4-BE49-F238E27FC236}">
-                <a16:creationId xmlns:a16="http://schemas.microsoft.com/office/drawing/2014/main" id="{B672F332-AF08-46C6-94F0-77684310D7B7}"/>
-              </a:ext>
-            </a:extLst>
-          </p:cNvPr>
-          <p:cNvSpPr>
-            <a:spLocks noGrp="1" noRot="1" noChangeAspect="1" noMove="1" noResize="1" noEditPoints="1" noAdjustHandles="1" noChangeArrowheads="1" noChangeShapeType="1" noTextEdit="1"/>
-          </p:cNvSpPr>
-          <p:nvPr>
-            <p:extLst>
-              <p:ext uri="{386F3935-93C4-4BCD-93E2-E3B085C9AB24}">
-                <p16:designElem xmlns:p16="http://schemas.microsoft.com/office/powerpoint/2015/main" val="1"/>
-              </p:ext>
-            </p:extLst>
-          </p:nvPr>
-        </p:nvSpPr>
-        <p:spPr>
-          <a:xfrm>
-            <a:off x="2546250" y="2466604"/>
-            <a:ext cx="721797" cy="962395"/>
-          </a:xfrm>
-          <a:prstGeom prst="ellipse">
-            <a:avLst/>
-          </a:prstGeom>
-          <a:solidFill>
-            <a:schemeClr val="accent4"/>
-          </a:solidFill>
-          <a:ln>
-            <a:noFill/>
+          <a:noFill/>
+          <a:ln w="38100">
+            <a:tailEnd type="triangle"/>
           </a:ln>
         </p:spPr>
         <p:style>
@@ -3698,77 +3682,33 @@
             <a:schemeClr val="lt1"/>
           </a:fontRef>
         </p:style>
-        <p:txBody>
-          <a:bodyPr rtlCol="0" anchor="ctr"/>
-          <a:lstStyle/>
-          <a:p>
-            <a:pPr marL="0" marR="0" lvl="0" indent="0" algn="ctr" defTabSz="914400" rtl="0" eaLnBrk="1" fontAlgn="auto" latinLnBrk="0" hangingPunct="1">
-              <a:lnSpc>
-                <a:spcPct val="100000"/>
-              </a:lnSpc>
-              <a:spcBef>
-                <a:spcPts val="0"/>
-              </a:spcBef>
-              <a:spcAft>
-                <a:spcPts val="0"/>
-              </a:spcAft>
-              <a:buClrTx/>
-              <a:buSzTx/>
-              <a:buFontTx/>
-              <a:buNone/>
-              <a:tabLst/>
-              <a:defRPr/>
-            </a:pPr>
-            <a:endParaRPr kumimoji="0" lang="en-US" sz="1800" b="0" i="0" u="none" strike="noStrike" kern="1200" cap="none" spc="0" normalizeH="0" baseline="0" noProof="0">
-              <a:ln>
-                <a:noFill/>
-              </a:ln>
-              <a:solidFill>
-                <a:prstClr val="white"/>
-              </a:solidFill>
-              <a:effectLst/>
-              <a:uLnTx/>
-              <a:uFillTx/>
-              <a:latin typeface="Calibri" panose="020F0502020204030204"/>
-              <a:ea typeface="+mn-ea"/>
-              <a:cs typeface="+mn-cs"/>
-            </a:endParaRPr>
-          </a:p>
-        </p:txBody>
-      </p:sp>
-      <p:sp>
-        <p:nvSpPr>
-          <p:cNvPr id="14" name="Oval 13">
+      </p:cxnSp>
+      <p:cxnSp>
+        <p:nvCxnSpPr>
+          <p:cNvPr id="16" name="Egyenes összekötő nyíllal 15">
             <a:extLst>
               <a:ext uri="{FF2B5EF4-FFF2-40B4-BE49-F238E27FC236}">
-                <a16:creationId xmlns:a16="http://schemas.microsoft.com/office/drawing/2014/main" id="{34244EF8-D73A-40E1-BE73-D46E6B4B04ED}"/>
+                <a16:creationId xmlns:a16="http://schemas.microsoft.com/office/drawing/2014/main" id="{AABD8349-B2C5-4F77-A57A-8BD541F9D5E8}"/>
               </a:ext>
             </a:extLst>
           </p:cNvPr>
-          <p:cNvSpPr>
-            <a:spLocks noGrp="1" noRot="1" noChangeAspect="1" noMove="1" noResize="1" noEditPoints="1" noAdjustHandles="1" noChangeArrowheads="1" noChangeShapeType="1" noTextEdit="1"/>
-          </p:cNvSpPr>
-          <p:nvPr>
-            <p:extLst>
-              <p:ext uri="{386F3935-93C4-4BCD-93E2-E3B085C9AB24}">
-                <p16:designElem xmlns:p16="http://schemas.microsoft.com/office/powerpoint/2015/main" val="1"/>
-              </p:ext>
-            </p:extLst>
-          </p:nvPr>
-        </p:nvSpPr>
+          <p:cNvCxnSpPr>
+            <a:cxnSpLocks/>
+          </p:cNvCxnSpPr>
+          <p:nvPr/>
+        </p:nvCxnSpPr>
         <p:spPr>
           <a:xfrm>
-            <a:off x="3844371" y="2327988"/>
-            <a:ext cx="220272" cy="293695"/>
+            <a:off x="4038599" y="2561492"/>
+            <a:ext cx="0" cy="509954"/>
           </a:xfrm>
-          <a:prstGeom prst="ellipse">
+          <a:prstGeom prst="straightConnector1">
             <a:avLst/>
           </a:prstGeom>
-          <a:solidFill>
-            <a:schemeClr val="accent3"/>
-          </a:solidFill>
-          <a:ln>
-            <a:noFill/>
+          <a:noFill/>
+          <a:ln w="38100">
+            <a:headEnd type="triangle"/>
+            <a:tailEnd type="none"/>
           </a:ln>
         </p:spPr>
         <p:style>
@@ -3787,143 +3727,32 @@
             <a:schemeClr val="lt1"/>
           </a:fontRef>
         </p:style>
-        <p:txBody>
-          <a:bodyPr rtlCol="0" anchor="ctr"/>
-          <a:lstStyle/>
-          <a:p>
-            <a:pPr marL="0" marR="0" lvl="0" indent="0" algn="ctr" defTabSz="914400" rtl="0" eaLnBrk="1" fontAlgn="auto" latinLnBrk="0" hangingPunct="1">
-              <a:lnSpc>
-                <a:spcPct val="100000"/>
-              </a:lnSpc>
-              <a:spcBef>
-                <a:spcPts val="0"/>
-              </a:spcBef>
-              <a:spcAft>
-                <a:spcPts val="0"/>
-              </a:spcAft>
-              <a:buClrTx/>
-              <a:buSzTx/>
-              <a:buFontTx/>
-              <a:buNone/>
-              <a:tabLst/>
-              <a:defRPr/>
-            </a:pPr>
-            <a:endParaRPr kumimoji="0" lang="en-US" sz="1800" b="0" i="0" u="none" strike="noStrike" kern="1200" cap="none" spc="0" normalizeH="0" baseline="0" noProof="0">
-              <a:ln>
-                <a:noFill/>
-              </a:ln>
-              <a:solidFill>
-                <a:prstClr val="white"/>
-              </a:solidFill>
-              <a:effectLst/>
-              <a:uLnTx/>
-              <a:uFillTx/>
-              <a:latin typeface="Calibri" panose="020F0502020204030204"/>
-              <a:ea typeface="+mn-ea"/>
-              <a:cs typeface="+mn-cs"/>
-            </a:endParaRPr>
-          </a:p>
-        </p:txBody>
-      </p:sp>
-      <p:sp>
-        <p:nvSpPr>
-          <p:cNvPr id="16" name="Freeform: Shape 15">
+      </p:cxnSp>
+      <p:cxnSp>
+        <p:nvCxnSpPr>
+          <p:cNvPr id="17" name="Egyenes összekötő nyíllal 16">
             <a:extLst>
               <a:ext uri="{FF2B5EF4-FFF2-40B4-BE49-F238E27FC236}">
-                <a16:creationId xmlns:a16="http://schemas.microsoft.com/office/drawing/2014/main" id="{AB84D7E8-4ECB-42D7-ADBF-01689B0F24AE}"/>
+                <a16:creationId xmlns:a16="http://schemas.microsoft.com/office/drawing/2014/main" id="{57F08066-DAD8-46DC-A756-96791E7197A5}"/>
               </a:ext>
             </a:extLst>
           </p:cNvPr>
-          <p:cNvSpPr>
-            <a:spLocks noGrp="1" noRot="1" noChangeAspect="1" noMove="1" noResize="1" noEditPoints="1" noAdjustHandles="1" noChangeArrowheads="1" noChangeShapeType="1" noTextEdit="1"/>
-          </p:cNvSpPr>
-          <p:nvPr>
-            <p:extLst>
-              <p:ext uri="{386F3935-93C4-4BCD-93E2-E3B085C9AB24}">
-                <p16:designElem xmlns:p16="http://schemas.microsoft.com/office/powerpoint/2015/main" val="1"/>
-              </p:ext>
-            </p:extLst>
-          </p:nvPr>
-        </p:nvSpPr>
+          <p:cNvCxnSpPr>
+            <a:cxnSpLocks/>
+          </p:cNvCxnSpPr>
+          <p:nvPr/>
+        </p:nvCxnSpPr>
         <p:spPr>
           <a:xfrm>
-            <a:off x="4869084" y="0"/>
-            <a:ext cx="4274916" cy="4059244"/>
+            <a:off x="3176953" y="3938953"/>
+            <a:ext cx="0" cy="509954"/>
           </a:xfrm>
-          <a:custGeom>
+          <a:prstGeom prst="straightConnector1">
             <a:avLst/>
-            <a:gdLst>
-              <a:gd name="connsiteX0" fmla="*/ 0 w 5699887"/>
-              <a:gd name="connsiteY0" fmla="*/ 0 h 4059244"/>
-              <a:gd name="connsiteX1" fmla="*/ 5699887 w 5699887"/>
-              <a:gd name="connsiteY1" fmla="*/ 0 h 4059244"/>
-              <a:gd name="connsiteX2" fmla="*/ 5699887 w 5699887"/>
-              <a:gd name="connsiteY2" fmla="*/ 3944096 h 4059244"/>
-              <a:gd name="connsiteX3" fmla="*/ 5525775 w 5699887"/>
-              <a:gd name="connsiteY3" fmla="*/ 3980429 h 4059244"/>
-              <a:gd name="connsiteX4" fmla="*/ 4663256 w 5699887"/>
-              <a:gd name="connsiteY4" fmla="*/ 4059244 h 4059244"/>
-              <a:gd name="connsiteX5" fmla="*/ 8566 w 5699887"/>
-              <a:gd name="connsiteY5" fmla="*/ 67422 h 4059244"/>
-            </a:gdLst>
-            <a:ahLst/>
-            <a:cxnLst>
-              <a:cxn ang="0">
-                <a:pos x="connsiteX0" y="connsiteY0"/>
-              </a:cxn>
-              <a:cxn ang="0">
-                <a:pos x="connsiteX1" y="connsiteY1"/>
-              </a:cxn>
-              <a:cxn ang="0">
-                <a:pos x="connsiteX2" y="connsiteY2"/>
-              </a:cxn>
-              <a:cxn ang="0">
-                <a:pos x="connsiteX3" y="connsiteY3"/>
-              </a:cxn>
-              <a:cxn ang="0">
-                <a:pos x="connsiteX4" y="connsiteY4"/>
-              </a:cxn>
-              <a:cxn ang="0">
-                <a:pos x="connsiteX5" y="connsiteY5"/>
-              </a:cxn>
-            </a:cxnLst>
-            <a:rect l="l" t="t" r="r" b="b"/>
-            <a:pathLst>
-              <a:path w="5699887" h="4059244">
-                <a:moveTo>
-                  <a:pt x="0" y="0"/>
-                </a:moveTo>
-                <a:lnTo>
-                  <a:pt x="5699887" y="0"/>
-                </a:lnTo>
-                <a:lnTo>
-                  <a:pt x="5699887" y="3944096"/>
-                </a:lnTo>
-                <a:lnTo>
-                  <a:pt x="5525775" y="3980429"/>
-                </a:lnTo>
-                <a:cubicBezTo>
-                  <a:pt x="5246154" y="4032190"/>
-                  <a:pt x="4957865" y="4059244"/>
-                  <a:pt x="4663256" y="4059244"/>
-                </a:cubicBezTo>
-                <a:cubicBezTo>
-                  <a:pt x="2306390" y="4059244"/>
-                  <a:pt x="353936" y="2327747"/>
-                  <a:pt x="8566" y="67422"/>
-                </a:cubicBezTo>
-                <a:close/>
-              </a:path>
-            </a:pathLst>
-          </a:custGeom>
-          <a:solidFill>
-            <a:schemeClr val="tx1">
-              <a:lumMod val="75000"/>
-              <a:lumOff val="25000"/>
-            </a:schemeClr>
-          </a:solidFill>
-          <a:ln>
-            <a:noFill/>
+          </a:prstGeom>
+          <a:noFill/>
+          <a:ln w="38100">
+            <a:tailEnd type="triangle"/>
           </a:ln>
         </p:spPr>
         <p:style>
@@ -3942,77 +3771,33 @@
             <a:schemeClr val="lt1"/>
           </a:fontRef>
         </p:style>
-        <p:txBody>
-          <a:bodyPr rtlCol="0" anchor="ctr"/>
-          <a:lstStyle/>
-          <a:p>
-            <a:pPr marL="0" marR="0" lvl="0" indent="0" algn="ctr" defTabSz="914400" rtl="0" eaLnBrk="1" fontAlgn="auto" latinLnBrk="0" hangingPunct="1">
-              <a:lnSpc>
-                <a:spcPct val="100000"/>
-              </a:lnSpc>
-              <a:spcBef>
-                <a:spcPts val="0"/>
-              </a:spcBef>
-              <a:spcAft>
-                <a:spcPts val="0"/>
-              </a:spcAft>
-              <a:buClrTx/>
-              <a:buSzTx/>
-              <a:buFontTx/>
-              <a:buNone/>
-              <a:tabLst/>
-              <a:defRPr/>
-            </a:pPr>
-            <a:endParaRPr kumimoji="0" lang="en-US" sz="1800" b="0" i="0" u="none" strike="noStrike" kern="1200" cap="none" spc="0" normalizeH="0" baseline="0" noProof="0">
-              <a:ln>
-                <a:noFill/>
-              </a:ln>
-              <a:solidFill>
-                <a:prstClr val="white"/>
-              </a:solidFill>
-              <a:effectLst/>
-              <a:uLnTx/>
-              <a:uFillTx/>
-              <a:latin typeface="Calibri" panose="020F0502020204030204"/>
-              <a:ea typeface="+mn-ea"/>
-              <a:cs typeface="+mn-cs"/>
-            </a:endParaRPr>
-          </a:p>
-        </p:txBody>
-      </p:sp>
-      <p:sp>
-        <p:nvSpPr>
-          <p:cNvPr id="18" name="Oval 17">
+      </p:cxnSp>
+      <p:cxnSp>
+        <p:nvCxnSpPr>
+          <p:cNvPr id="18" name="Egyenes összekötő nyíllal 17">
             <a:extLst>
               <a:ext uri="{FF2B5EF4-FFF2-40B4-BE49-F238E27FC236}">
-                <a16:creationId xmlns:a16="http://schemas.microsoft.com/office/drawing/2014/main" id="{6437D937-A7F1-4011-92B4-328E5BE1B166}"/>
+                <a16:creationId xmlns:a16="http://schemas.microsoft.com/office/drawing/2014/main" id="{1A167A1D-9445-4AF2-8D47-E567390EE82F}"/>
               </a:ext>
             </a:extLst>
           </p:cNvPr>
-          <p:cNvSpPr>
-            <a:spLocks noGrp="1" noRot="1" noChangeAspect="1" noMove="1" noResize="1" noEditPoints="1" noAdjustHandles="1" noChangeArrowheads="1" noChangeShapeType="1" noTextEdit="1"/>
-          </p:cNvSpPr>
-          <p:nvPr>
-            <p:extLst>
-              <p:ext uri="{386F3935-93C4-4BCD-93E2-E3B085C9AB24}">
-                <p16:designElem xmlns:p16="http://schemas.microsoft.com/office/powerpoint/2015/main" val="1"/>
-              </p:ext>
-            </p:extLst>
-          </p:nvPr>
-        </p:nvSpPr>
+          <p:cNvCxnSpPr>
+            <a:cxnSpLocks/>
+          </p:cNvCxnSpPr>
+          <p:nvPr/>
+        </p:nvCxnSpPr>
         <p:spPr>
           <a:xfrm>
-            <a:off x="441425" y="620480"/>
-            <a:ext cx="1682850" cy="2243796"/>
+            <a:off x="4038599" y="3938953"/>
+            <a:ext cx="0" cy="509954"/>
           </a:xfrm>
-          <a:prstGeom prst="ellipse">
+          <a:prstGeom prst="straightConnector1">
             <a:avLst/>
           </a:prstGeom>
-          <a:solidFill>
-            <a:schemeClr val="accent5"/>
-          </a:solidFill>
-          <a:ln>
-            <a:noFill/>
+          <a:noFill/>
+          <a:ln w="38100">
+            <a:headEnd type="triangle"/>
+            <a:tailEnd type="none"/>
           </a:ln>
         </p:spPr>
         <p:style>
@@ -4031,114 +3816,181 @@
             <a:schemeClr val="lt1"/>
           </a:fontRef>
         </p:style>
-        <p:txBody>
-          <a:bodyPr rtlCol="0" anchor="ctr"/>
-          <a:lstStyle/>
-          <a:p>
-            <a:pPr marL="0" marR="0" lvl="0" indent="0" algn="ctr" defTabSz="914400" rtl="0" eaLnBrk="1" fontAlgn="auto" latinLnBrk="0" hangingPunct="1">
-              <a:lnSpc>
-                <a:spcPct val="100000"/>
-              </a:lnSpc>
-              <a:spcBef>
-                <a:spcPts val="0"/>
-              </a:spcBef>
-              <a:spcAft>
-                <a:spcPts val="0"/>
-              </a:spcAft>
-              <a:buClrTx/>
-              <a:buSzTx/>
-              <a:buFontTx/>
-              <a:buNone/>
-              <a:tabLst/>
-              <a:defRPr/>
-            </a:pPr>
-            <a:endParaRPr kumimoji="0" lang="en-US" sz="1800" b="0" i="0" u="none" strike="noStrike" kern="1200" cap="none" spc="0" normalizeH="0" baseline="0" noProof="0">
-              <a:ln>
-                <a:noFill/>
-              </a:ln>
-              <a:solidFill>
-                <a:prstClr val="white"/>
-              </a:solidFill>
-              <a:effectLst/>
-              <a:uLnTx/>
-              <a:uFillTx/>
-              <a:latin typeface="Calibri" panose="020F0502020204030204"/>
-              <a:ea typeface="+mn-ea"/>
-              <a:cs typeface="+mn-cs"/>
-            </a:endParaRPr>
-          </a:p>
-        </p:txBody>
-      </p:sp>
-      <p:sp>
-        <p:nvSpPr>
-          <p:cNvPr id="2" name="Cím 1">
+      </p:cxnSp>
+      <p:cxnSp>
+        <p:nvCxnSpPr>
+          <p:cNvPr id="19" name="Egyenes összekötő nyíllal 18">
             <a:extLst>
               <a:ext uri="{FF2B5EF4-FFF2-40B4-BE49-F238E27FC236}">
-                <a16:creationId xmlns:a16="http://schemas.microsoft.com/office/drawing/2014/main" id="{4A7AE95D-C686-40E8-957B-4005C3FF13D1}"/>
+                <a16:creationId xmlns:a16="http://schemas.microsoft.com/office/drawing/2014/main" id="{57C950EC-CE47-4539-8714-10F496EC6398}"/>
               </a:ext>
             </a:extLst>
           </p:cNvPr>
-          <p:cNvSpPr>
-            <a:spLocks noGrp="1"/>
-          </p:cNvSpPr>
-          <p:nvPr>
-            <p:ph type="ctrTitle"/>
-          </p:nvPr>
-        </p:nvSpPr>
+          <p:cNvCxnSpPr>
+            <a:cxnSpLocks/>
+          </p:cNvCxnSpPr>
+          <p:nvPr/>
+        </p:nvCxnSpPr>
         <p:spPr>
           <a:xfrm>
-            <a:off x="481692" y="4525347"/>
-            <a:ext cx="5204792" cy="1737360"/>
+            <a:off x="3176953" y="5316414"/>
+            <a:ext cx="0" cy="275496"/>
           </a:xfrm>
+          <a:prstGeom prst="straightConnector1">
+            <a:avLst/>
+          </a:prstGeom>
+          <a:noFill/>
+          <a:ln w="38100">
+            <a:tailEnd type="triangle"/>
+          </a:ln>
         </p:spPr>
-        <p:txBody>
-          <a:bodyPr anchor="ctr">
-            <a:normAutofit/>
-          </a:bodyPr>
-          <a:lstStyle/>
-          <a:p>
-            <a:pPr algn="r"/>
-            <a:endParaRPr lang="en-US"/>
-          </a:p>
-        </p:txBody>
-      </p:sp>
-      <p:sp>
-        <p:nvSpPr>
-          <p:cNvPr id="3" name="Alcím 2">
+        <p:style>
+          <a:lnRef idx="2">
+            <a:schemeClr val="accent1">
+              <a:shade val="50000"/>
+            </a:schemeClr>
+          </a:lnRef>
+          <a:fillRef idx="1">
+            <a:schemeClr val="accent1"/>
+          </a:fillRef>
+          <a:effectRef idx="0">
+            <a:schemeClr val="accent1"/>
+          </a:effectRef>
+          <a:fontRef idx="minor">
+            <a:schemeClr val="lt1"/>
+          </a:fontRef>
+        </p:style>
+      </p:cxnSp>
+      <p:cxnSp>
+        <p:nvCxnSpPr>
+          <p:cNvPr id="22" name="Egyenes összekötő nyíllal 21">
             <a:extLst>
               <a:ext uri="{FF2B5EF4-FFF2-40B4-BE49-F238E27FC236}">
-                <a16:creationId xmlns:a16="http://schemas.microsoft.com/office/drawing/2014/main" id="{4856498A-CD32-49FA-A684-A1E0125EA8A4}"/>
+                <a16:creationId xmlns:a16="http://schemas.microsoft.com/office/drawing/2014/main" id="{658CB502-EE35-4057-AB24-64BE761815B5}"/>
               </a:ext>
             </a:extLst>
           </p:cNvPr>
-          <p:cNvSpPr>
-            <a:spLocks noGrp="1"/>
-          </p:cNvSpPr>
-          <p:nvPr>
-            <p:ph type="subTitle" idx="1"/>
-          </p:nvPr>
-        </p:nvSpPr>
+          <p:cNvCxnSpPr>
+            <a:cxnSpLocks/>
+          </p:cNvCxnSpPr>
+          <p:nvPr/>
+        </p:nvCxnSpPr>
         <p:spPr>
           <a:xfrm>
-            <a:off x="6038071" y="4525347"/>
-            <a:ext cx="2408466" cy="1737360"/>
+            <a:off x="4038599" y="5316414"/>
+            <a:ext cx="0" cy="275496"/>
           </a:xfrm>
+          <a:prstGeom prst="straightConnector1">
+            <a:avLst/>
+          </a:prstGeom>
+          <a:noFill/>
+          <a:ln w="38100">
+            <a:headEnd type="triangle"/>
+            <a:tailEnd type="none"/>
+          </a:ln>
         </p:spPr>
-        <p:txBody>
-          <a:bodyPr anchor="ctr">
-            <a:normAutofit/>
-          </a:bodyPr>
-          <a:lstStyle/>
-          <a:p>
-            <a:pPr algn="l"/>
-            <a:endParaRPr lang="en-US"/>
-          </a:p>
-        </p:txBody>
-      </p:sp>
+        <p:style>
+          <a:lnRef idx="2">
+            <a:schemeClr val="accent1">
+              <a:shade val="50000"/>
+            </a:schemeClr>
+          </a:lnRef>
+          <a:fillRef idx="1">
+            <a:schemeClr val="accent1"/>
+          </a:fillRef>
+          <a:effectRef idx="0">
+            <a:schemeClr val="accent1"/>
+          </a:effectRef>
+          <a:fontRef idx="minor">
+            <a:schemeClr val="lt1"/>
+          </a:fontRef>
+        </p:style>
+      </p:cxnSp>
+      <p:cxnSp>
+        <p:nvCxnSpPr>
+          <p:cNvPr id="27" name="Egyenes összekötő nyíllal 26">
+            <a:extLst>
+              <a:ext uri="{FF2B5EF4-FFF2-40B4-BE49-F238E27FC236}">
+                <a16:creationId xmlns:a16="http://schemas.microsoft.com/office/drawing/2014/main" id="{5406D4A4-FA02-413B-9314-5404C6D382A7}"/>
+              </a:ext>
+            </a:extLst>
+          </p:cNvPr>
+          <p:cNvCxnSpPr>
+            <a:cxnSpLocks/>
+          </p:cNvCxnSpPr>
+          <p:nvPr/>
+        </p:nvCxnSpPr>
+        <p:spPr>
+          <a:xfrm>
+            <a:off x="4038599" y="1222129"/>
+            <a:ext cx="0" cy="463063"/>
+          </a:xfrm>
+          <a:prstGeom prst="straightConnector1">
+            <a:avLst/>
+          </a:prstGeom>
+          <a:noFill/>
+          <a:ln w="38100">
+            <a:headEnd type="triangle"/>
+            <a:tailEnd type="none"/>
+          </a:ln>
+        </p:spPr>
+        <p:style>
+          <a:lnRef idx="2">
+            <a:schemeClr val="accent1">
+              <a:shade val="50000"/>
+            </a:schemeClr>
+          </a:lnRef>
+          <a:fillRef idx="1">
+            <a:schemeClr val="accent1"/>
+          </a:fillRef>
+          <a:effectRef idx="0">
+            <a:schemeClr val="accent1"/>
+          </a:effectRef>
+          <a:fontRef idx="minor">
+            <a:schemeClr val="lt1"/>
+          </a:fontRef>
+        </p:style>
+      </p:cxnSp>
+      <p:pic>
+        <p:nvPicPr>
+          <p:cNvPr id="29" name="Kép 28">
+            <a:extLst>
+              <a:ext uri="{FF2B5EF4-FFF2-40B4-BE49-F238E27FC236}">
+                <a16:creationId xmlns:a16="http://schemas.microsoft.com/office/drawing/2014/main" id="{D9625BC5-B811-48C4-AE58-771513A4A19B}"/>
+              </a:ext>
+            </a:extLst>
+          </p:cNvPr>
+          <p:cNvPicPr>
+            <a:picLocks noChangeAspect="1"/>
+          </p:cNvPicPr>
+          <p:nvPr/>
+        </p:nvPicPr>
+        <p:blipFill>
+          <a:blip r:embed="rId2">
+            <a:extLst>
+              <a:ext uri="{28A0092B-C50C-407E-A947-70E740481C1C}">
+                <a14:useLocalDpi xmlns:a14="http://schemas.microsoft.com/office/drawing/2010/main" val="0"/>
+              </a:ext>
+            </a:extLst>
+          </a:blip>
+          <a:stretch>
+            <a:fillRect/>
+          </a:stretch>
+        </p:blipFill>
+        <p:spPr>
+          <a:xfrm>
+            <a:off x="3042142" y="43967"/>
+            <a:ext cx="1078514" cy="1078514"/>
+          </a:xfrm>
+          <a:prstGeom prst="rect">
+            <a:avLst/>
+          </a:prstGeom>
+        </p:spPr>
+      </p:pic>
     </p:spTree>
     <p:extLst>
       <p:ext uri="{BB962C8B-B14F-4D97-AF65-F5344CB8AC3E}">
-        <p14:creationId xmlns:p14="http://schemas.microsoft.com/office/powerpoint/2010/main" val="2989032424"/>
+        <p14:creationId xmlns:p14="http://schemas.microsoft.com/office/powerpoint/2010/main" val="1906273387"/>
       </p:ext>
     </p:extLst>
   </p:cSld>
